--- a/Demo/Audio Programming Project.pptx
+++ b/Demo/Audio Programming Project.pptx
@@ -3533,7 +3533,7 @@
         <p:spPr>
           <a:xfrm>
             <a:off x="838200" y="2181225"/>
-            <a:ext cx="3943350" cy="2031325"/>
+            <a:ext cx="3943350" cy="2585323"/>
           </a:xfrm>
           <a:prstGeom prst="rect">
             <a:avLst/>
@@ -3556,13 +3556,16 @@
             </a:r>
           </a:p>
           <a:p>
+            <a:endParaRPr lang="en-GB" dirty="0"/>
+          </a:p>
+          <a:p>
             <a:pPr marL="285750" indent="-285750">
               <a:buFont typeface="Arial" panose="020B0604020202020204" pitchFamily="34" charset="0"/>
               <a:buChar char="•"/>
             </a:pPr>
             <a:r>
               <a:rPr lang="en-GB" dirty="0"/>
-              <a:t>Excitation input</a:t>
+              <a:t>System takes an Excitation input </a:t>
             </a:r>
           </a:p>
           <a:p>
@@ -3570,9 +3573,24 @@
               <a:buFont typeface="Arial" panose="020B0604020202020204" pitchFamily="34" charset="0"/>
               <a:buChar char="•"/>
             </a:pPr>
+            <a:endParaRPr lang="en-GB" dirty="0"/>
+          </a:p>
+          <a:p>
+            <a:pPr marL="285750" indent="-285750">
+              <a:buFont typeface="Arial" panose="020B0604020202020204" pitchFamily="34" charset="0"/>
+              <a:buChar char="•"/>
+            </a:pPr>
             <a:r>
               <a:rPr lang="en-GB" dirty="0"/>
-              <a:t>PDE description can be modelled efficiently for real-time by precise bandpass filters at each partial frequency</a:t>
+              <a:t>PDE </a:t>
+            </a:r>
+            <a:r>
+              <a:rPr lang="en-GB"/>
+              <a:t>description modelled efficiently </a:t>
+            </a:r>
+            <a:r>
+              <a:rPr lang="en-GB" dirty="0"/>
+              <a:t>for real-time audio by narrow bandpass filters at each partial</a:t>
             </a:r>
             <a:endParaRPr lang="en-FI" dirty="0"/>
           </a:p>
@@ -3844,7 +3862,7 @@
           <a:p>
             <a:r>
               <a:rPr lang="en-GB" dirty="0"/>
-              <a:t>Precisely-tuned lookup tables </a:t>
+              <a:t>Finely-tuned lookup tables </a:t>
             </a:r>
           </a:p>
           <a:p>
@@ -3983,7 +4001,7 @@
         <p:spPr/>
         <p:txBody>
           <a:bodyPr>
-            <a:normAutofit lnSpcReduction="10000"/>
+            <a:normAutofit fontScale="92500"/>
           </a:bodyPr>
           <a:lstStyle/>
           <a:p>
@@ -4043,13 +4061,20 @@
             <a:pPr lvl="1"/>
             <a:r>
               <a:rPr lang="en-GB" dirty="0"/>
-              <a:t>A global brightness attenuation which effects the </a:t>
+              <a:t>A global brightness attenuation which effects the amplitude of higher partials</a:t>
             </a:r>
           </a:p>
           <a:p>
             <a:r>
               <a:rPr lang="en-GB" dirty="0"/>
-              <a:t>Position (?)</a:t>
+              <a:t>Position </a:t>
+            </a:r>
+          </a:p>
+          <a:p>
+            <a:pPr lvl="1"/>
+            <a:r>
+              <a:rPr lang="en-GB" dirty="0"/>
+              <a:t>An approximation of the excitation position, x.</a:t>
             </a:r>
             <a:endParaRPr lang="en-FI" dirty="0"/>
           </a:p>
@@ -4305,7 +4330,19 @@
           <a:p>
             <a:r>
               <a:rPr lang="en-GB" dirty="0"/>
+              <a:t>Compression/Limiter</a:t>
+            </a:r>
+          </a:p>
+          <a:p>
+            <a:r>
+              <a:rPr lang="en-GB" dirty="0"/>
               <a:t>Excitation Cross-Modulation with internal oscillator</a:t>
+            </a:r>
+          </a:p>
+          <a:p>
+            <a:r>
+              <a:rPr lang="en-GB" dirty="0"/>
+              <a:t>Randomness</a:t>
             </a:r>
             <a:endParaRPr lang="en-FI" dirty="0"/>
           </a:p>
@@ -4455,7 +4492,7 @@
                 <a:effectLst/>
                 <a:latin typeface="Times New Roman" panose="02020603050405020304" pitchFamily="18" charset="0"/>
               </a:rPr>
-              <a:t>Gillet, Émilie. 2015. Source code of Mutable instruments’ “Elements.”</a:t>
+              <a:t>Gillet, Émilie. 2015. Mutable instruments’ “Elements.”</a:t>
             </a:r>
             <a:endParaRPr lang="en-GB" b="0" i="0" dirty="0">
               <a:solidFill>
